--- a/tutorials/pipelines/tut_a_fun_bud/vector files/fig09_big.pptx
+++ b/tutorials/pipelines/tut_a_fun_bud/vector files/fig09_big.pptx
@@ -2975,10 +2975,10 @@
       </p:grpSpPr>
       <p:grpSp>
         <p:nvGrpSpPr>
-          <p:cNvPr id="6" name="Group 5">
+          <p:cNvPr id="18" name="Group 17">
             <a:extLst>
               <a:ext uri="{FF2B5EF4-FFF2-40B4-BE49-F238E27FC236}">
-                <a16:creationId xmlns:a16="http://schemas.microsoft.com/office/drawing/2014/main" id="{5FD31BBE-B065-E40B-A81A-5B5E96ED8C95}"/>
+                <a16:creationId xmlns:a16="http://schemas.microsoft.com/office/drawing/2014/main" id="{469D63D8-8C22-0DEF-32C1-981D2DC2B31A}"/>
               </a:ext>
             </a:extLst>
           </p:cNvPr>
@@ -2988,806 +2988,785 @@
         <p:grpSpPr>
           <a:xfrm>
             <a:off x="0" y="0"/>
-            <a:ext cx="8791019" cy="4753832"/>
-            <a:chOff x="0" y="366284"/>
-            <a:chExt cx="8791019" cy="4753832"/>
+            <a:ext cx="8778875" cy="4907280"/>
+            <a:chOff x="-397125" y="0"/>
+            <a:chExt cx="10013809" cy="5486400"/>
           </a:xfrm>
         </p:grpSpPr>
-        <p:grpSp>
-          <p:nvGrpSpPr>
-            <p:cNvPr id="5" name="Group 4">
+        <p:pic>
+          <p:nvPicPr>
+            <p:cNvPr id="17" name="Picture 16">
               <a:extLst>
                 <a:ext uri="{FF2B5EF4-FFF2-40B4-BE49-F238E27FC236}">
-                  <a16:creationId xmlns:a16="http://schemas.microsoft.com/office/drawing/2014/main" id="{399A05DA-8837-7C4F-B9DA-FBF556884B0E}"/>
+                  <a16:creationId xmlns:a16="http://schemas.microsoft.com/office/drawing/2014/main" id="{751A7788-A94A-AE8E-A858-A00CA63B5648}"/>
                 </a:ext>
               </a:extLst>
             </p:cNvPr>
-            <p:cNvGrpSpPr/>
+            <p:cNvPicPr>
+              <a:picLocks noChangeAspect="1"/>
+            </p:cNvPicPr>
             <p:nvPr/>
-          </p:nvGrpSpPr>
-          <p:grpSpPr>
-            <a:xfrm>
-              <a:off x="0" y="366284"/>
-              <a:ext cx="8791019" cy="4753832"/>
-              <a:chOff x="0" y="366284"/>
-              <a:chExt cx="8791019" cy="4753832"/>
-            </a:xfrm>
-          </p:grpSpPr>
-          <p:pic>
-            <p:nvPicPr>
-              <p:cNvPr id="16" name="Picture 15">
-                <a:extLst>
-                  <a:ext uri="{FF2B5EF4-FFF2-40B4-BE49-F238E27FC236}">
-                    <a16:creationId xmlns:a16="http://schemas.microsoft.com/office/drawing/2014/main" id="{96631D43-47BC-A8AA-A77F-7EEF7993BA76}"/>
-                  </a:ext>
-                </a:extLst>
-              </p:cNvPr>
-              <p:cNvPicPr>
-                <a:picLocks noChangeAspect="1"/>
-              </p:cNvPicPr>
-              <p:nvPr/>
-            </p:nvPicPr>
-            <p:blipFill>
-              <a:blip r:embed="rId2"/>
-              <a:stretch>
-                <a:fillRect/>
-              </a:stretch>
-            </p:blipFill>
-            <p:spPr>
-              <a:xfrm>
-                <a:off x="6915120" y="366285"/>
-                <a:ext cx="1875899" cy="4753831"/>
-              </a:xfrm>
-              <a:prstGeom prst="rect">
-                <a:avLst/>
-              </a:prstGeom>
-            </p:spPr>
-          </p:pic>
-          <p:pic>
-            <p:nvPicPr>
-              <p:cNvPr id="22" name="Picture 21">
-                <a:extLst>
-                  <a:ext uri="{FF2B5EF4-FFF2-40B4-BE49-F238E27FC236}">
-                    <a16:creationId xmlns:a16="http://schemas.microsoft.com/office/drawing/2014/main" id="{AA70900B-BA4A-E69E-F0C6-CF7F9AA5C676}"/>
-                  </a:ext>
-                </a:extLst>
-              </p:cNvPr>
-              <p:cNvPicPr>
-                <a:picLocks noChangeAspect="1"/>
-              </p:cNvPicPr>
-              <p:nvPr/>
-            </p:nvPicPr>
-            <p:blipFill>
-              <a:blip r:embed="rId3"/>
-              <a:stretch>
-                <a:fillRect/>
-              </a:stretch>
-            </p:blipFill>
-            <p:spPr>
-              <a:xfrm>
-                <a:off x="3961842" y="366285"/>
-                <a:ext cx="2966484" cy="4753831"/>
-              </a:xfrm>
-              <a:prstGeom prst="rect">
-                <a:avLst/>
-              </a:prstGeom>
-            </p:spPr>
-          </p:pic>
-          <p:pic>
-            <p:nvPicPr>
-              <p:cNvPr id="4" name="Picture 3">
-                <a:extLst>
-                  <a:ext uri="{FF2B5EF4-FFF2-40B4-BE49-F238E27FC236}">
-                    <a16:creationId xmlns:a16="http://schemas.microsoft.com/office/drawing/2014/main" id="{4A694E7C-3BEB-3D5D-595D-5C0BBA636A61}"/>
-                  </a:ext>
-                </a:extLst>
-              </p:cNvPr>
-              <p:cNvPicPr>
-                <a:picLocks noChangeAspect="1"/>
-              </p:cNvPicPr>
-              <p:nvPr/>
-            </p:nvPicPr>
-            <p:blipFill>
-              <a:blip r:embed="rId4"/>
-              <a:stretch>
-                <a:fillRect/>
-              </a:stretch>
-            </p:blipFill>
-            <p:spPr>
-              <a:xfrm>
-                <a:off x="0" y="366285"/>
-                <a:ext cx="2090138" cy="4753831"/>
-              </a:xfrm>
-              <a:prstGeom prst="rect">
-                <a:avLst/>
-              </a:prstGeom>
-            </p:spPr>
-          </p:pic>
-          <p:pic>
-            <p:nvPicPr>
-              <p:cNvPr id="3" name="Picture 2">
-                <a:extLst>
-                  <a:ext uri="{FF2B5EF4-FFF2-40B4-BE49-F238E27FC236}">
-                    <a16:creationId xmlns:a16="http://schemas.microsoft.com/office/drawing/2014/main" id="{0F15F816-2F85-BB7A-F0DF-106782F4F16F}"/>
-                  </a:ext>
-                </a:extLst>
-              </p:cNvPr>
-              <p:cNvPicPr>
-                <a:picLocks noChangeAspect="1"/>
-              </p:cNvPicPr>
-              <p:nvPr/>
-            </p:nvPicPr>
-            <p:blipFill>
-              <a:blip r:embed="rId5"/>
-              <a:stretch>
-                <a:fillRect/>
-              </a:stretch>
-            </p:blipFill>
-            <p:spPr>
-              <a:xfrm>
-                <a:off x="2073100" y="366284"/>
-                <a:ext cx="1887550" cy="4753831"/>
-              </a:xfrm>
-              <a:prstGeom prst="rect">
-                <a:avLst/>
-              </a:prstGeom>
-            </p:spPr>
-          </p:pic>
-        </p:grpSp>
-        <p:sp>
-          <p:nvSpPr>
-            <p:cNvPr id="21" name="Oval 20">
-              <a:extLst>
-                <a:ext uri="{FF2B5EF4-FFF2-40B4-BE49-F238E27FC236}">
-                  <a16:creationId xmlns:a16="http://schemas.microsoft.com/office/drawing/2014/main" id="{7B7E65E5-D0EA-1CB2-2B2F-426052726E2C}"/>
-                </a:ext>
-              </a:extLst>
-            </p:cNvPr>
-            <p:cNvSpPr>
-              <a:spLocks noChangeAspect="1"/>
-            </p:cNvSpPr>
-            <p:nvPr/>
-          </p:nvSpPr>
+          </p:nvPicPr>
+          <p:blipFill>
+            <a:blip r:embed="rId2"/>
+            <a:stretch>
+              <a:fillRect/>
+            </a:stretch>
+          </p:blipFill>
           <p:spPr>
             <a:xfrm>
-              <a:off x="3837137" y="4167629"/>
-              <a:ext cx="508512" cy="508512"/>
-            </a:xfrm>
-            <a:prstGeom prst="ellipse">
-              <a:avLst/>
-            </a:prstGeom>
-            <a:solidFill>
-              <a:schemeClr val="accent2">
-                <a:lumMod val="60000"/>
-                <a:lumOff val="40000"/>
-              </a:schemeClr>
-            </a:solidFill>
-            <a:ln>
-              <a:noFill/>
-            </a:ln>
-          </p:spPr>
-          <p:style>
-            <a:lnRef idx="2">
-              <a:schemeClr val="accent1">
-                <a:shade val="15000"/>
-              </a:schemeClr>
-            </a:lnRef>
-            <a:fillRef idx="1">
-              <a:schemeClr val="accent1"/>
-            </a:fillRef>
-            <a:effectRef idx="0">
-              <a:schemeClr val="accent1"/>
-            </a:effectRef>
-            <a:fontRef idx="minor">
-              <a:schemeClr val="lt1"/>
-            </a:fontRef>
-          </p:style>
-          <p:txBody>
-            <a:bodyPr tIns="72000" bIns="108000" rtlCol="0" anchor="ctr"/>
-            <a:lstStyle/>
-            <a:p>
-              <a:pPr algn="ctr"/>
-              <a:r>
-                <a:rPr lang="en-GB" sz="2400" dirty="0">
-                  <a:latin typeface="Arial" panose="020B0604020202020204" pitchFamily="34" charset="0"/>
-                  <a:cs typeface="Arial" panose="020B0604020202020204" pitchFamily="34" charset="0"/>
-                </a:rPr>
-                <a:t>b</a:t>
-              </a:r>
-              <a:endParaRPr lang="en-SE" sz="2400" dirty="0">
-                <a:latin typeface="Arial" panose="020B0604020202020204" pitchFamily="34" charset="0"/>
-                <a:cs typeface="Arial" panose="020B0604020202020204" pitchFamily="34" charset="0"/>
-              </a:endParaRPr>
-            </a:p>
-          </p:txBody>
-        </p:sp>
-        <p:sp>
-          <p:nvSpPr>
-            <p:cNvPr id="23" name="Rectangle 22">
-              <a:extLst>
-                <a:ext uri="{FF2B5EF4-FFF2-40B4-BE49-F238E27FC236}">
-                  <a16:creationId xmlns:a16="http://schemas.microsoft.com/office/drawing/2014/main" id="{AA915A41-DEA3-900C-2E51-A06B46EC80CF}"/>
-                </a:ext>
-              </a:extLst>
-            </p:cNvPr>
-            <p:cNvSpPr/>
-            <p:nvPr/>
-          </p:nvSpPr>
-          <p:spPr>
-            <a:xfrm>
-              <a:off x="5566410" y="609600"/>
-              <a:ext cx="204470" cy="226059"/>
+              <a:off x="7451708" y="0"/>
+              <a:ext cx="2164976" cy="5486400"/>
             </a:xfrm>
             <a:prstGeom prst="rect">
               <a:avLst/>
             </a:prstGeom>
-            <a:noFill/>
-            <a:ln w="28575">
-              <a:solidFill>
-                <a:srgbClr val="F4B183"/>
-              </a:solidFill>
-              <a:prstDash val="sysDot"/>
-            </a:ln>
           </p:spPr>
-          <p:style>
-            <a:lnRef idx="2">
-              <a:schemeClr val="accent1">
-                <a:shade val="15000"/>
-              </a:schemeClr>
-            </a:lnRef>
-            <a:fillRef idx="1">
-              <a:schemeClr val="accent1"/>
-            </a:fillRef>
-            <a:effectRef idx="0">
-              <a:schemeClr val="accent1"/>
-            </a:effectRef>
-            <a:fontRef idx="minor">
-              <a:schemeClr val="lt1"/>
-            </a:fontRef>
-          </p:style>
-          <p:txBody>
-            <a:bodyPr rtlCol="0" anchor="ctr"/>
-            <a:lstStyle/>
-            <a:p>
-              <a:pPr algn="ctr"/>
-              <a:endParaRPr lang="en-SE"/>
-            </a:p>
-          </p:txBody>
-        </p:sp>
-        <p:sp>
-          <p:nvSpPr>
-            <p:cNvPr id="20" name="Oval 19">
+        </p:pic>
+        <p:pic>
+          <p:nvPicPr>
+            <p:cNvPr id="13" name="Picture 12">
               <a:extLst>
                 <a:ext uri="{FF2B5EF4-FFF2-40B4-BE49-F238E27FC236}">
-                  <a16:creationId xmlns:a16="http://schemas.microsoft.com/office/drawing/2014/main" id="{AC10DFDB-87CB-2181-F40F-69914990F01F}"/>
+                  <a16:creationId xmlns:a16="http://schemas.microsoft.com/office/drawing/2014/main" id="{038BCC73-F94B-1EC0-0BF4-E43F7E1D83B7}"/>
                 </a:ext>
               </a:extLst>
             </p:cNvPr>
-            <p:cNvSpPr>
-              <a:spLocks noChangeAspect="1"/>
-            </p:cNvSpPr>
+            <p:cNvPicPr>
+              <a:picLocks noChangeAspect="1"/>
+            </p:cNvPicPr>
             <p:nvPr/>
-          </p:nvSpPr>
+          </p:nvPicPr>
+          <p:blipFill>
+            <a:blip r:embed="rId3"/>
+            <a:stretch>
+              <a:fillRect/>
+            </a:stretch>
+          </p:blipFill>
           <p:spPr>
             <a:xfrm>
-              <a:off x="3015027" y="2234688"/>
-              <a:ext cx="508512" cy="508512"/>
-            </a:xfrm>
-            <a:prstGeom prst="ellipse">
-              <a:avLst/>
-            </a:prstGeom>
-            <a:solidFill>
-              <a:schemeClr val="accent2">
-                <a:lumMod val="60000"/>
-                <a:lumOff val="40000"/>
-              </a:schemeClr>
-            </a:solidFill>
-            <a:ln>
-              <a:noFill/>
-            </a:ln>
-          </p:spPr>
-          <p:style>
-            <a:lnRef idx="2">
-              <a:schemeClr val="accent1">
-                <a:shade val="15000"/>
-              </a:schemeClr>
-            </a:lnRef>
-            <a:fillRef idx="1">
-              <a:schemeClr val="accent1"/>
-            </a:fillRef>
-            <a:effectRef idx="0">
-              <a:schemeClr val="accent1"/>
-            </a:effectRef>
-            <a:fontRef idx="minor">
-              <a:schemeClr val="lt1"/>
-            </a:fontRef>
-          </p:style>
-          <p:txBody>
-            <a:bodyPr tIns="72000" bIns="108000" rtlCol="0" anchor="ctr"/>
-            <a:lstStyle/>
-            <a:p>
-              <a:pPr algn="ctr"/>
-              <a:r>
-                <a:rPr lang="en-GB" sz="2400" dirty="0">
-                  <a:latin typeface="Arial" panose="020B0604020202020204" pitchFamily="34" charset="0"/>
-                  <a:cs typeface="Arial" panose="020B0604020202020204" pitchFamily="34" charset="0"/>
-                </a:rPr>
-                <a:t>a</a:t>
-              </a:r>
-              <a:endParaRPr lang="en-SE" sz="2400" dirty="0">
-                <a:latin typeface="Arial" panose="020B0604020202020204" pitchFamily="34" charset="0"/>
-                <a:cs typeface="Arial" panose="020B0604020202020204" pitchFamily="34" charset="0"/>
-              </a:endParaRPr>
-            </a:p>
-          </p:txBody>
-        </p:sp>
-        <p:sp>
-          <p:nvSpPr>
-            <p:cNvPr id="15" name="Rectangle 14">
-              <a:extLst>
-                <a:ext uri="{FF2B5EF4-FFF2-40B4-BE49-F238E27FC236}">
-                  <a16:creationId xmlns:a16="http://schemas.microsoft.com/office/drawing/2014/main" id="{43EF4F48-C0F9-A6E7-851F-4ED613CE0B2B}"/>
-                </a:ext>
-              </a:extLst>
-            </p:cNvPr>
-            <p:cNvSpPr/>
-            <p:nvPr/>
-          </p:nvSpPr>
-          <p:spPr>
-            <a:xfrm>
-              <a:off x="6946900" y="2607188"/>
-              <a:ext cx="1741170" cy="288412"/>
+              <a:off x="3897939" y="0"/>
+              <a:ext cx="3576917" cy="5486400"/>
             </a:xfrm>
             <a:prstGeom prst="rect">
               <a:avLst/>
             </a:prstGeom>
-            <a:noFill/>
-            <a:ln w="28575">
-              <a:solidFill>
-                <a:srgbClr val="F4B183"/>
-              </a:solidFill>
-              <a:prstDash val="sysDot"/>
-            </a:ln>
           </p:spPr>
-          <p:style>
-            <a:lnRef idx="2">
-              <a:schemeClr val="accent1">
-                <a:shade val="15000"/>
-              </a:schemeClr>
-            </a:lnRef>
-            <a:fillRef idx="1">
-              <a:schemeClr val="accent1"/>
-            </a:fillRef>
-            <a:effectRef idx="0">
-              <a:schemeClr val="accent1"/>
-            </a:effectRef>
-            <a:fontRef idx="minor">
-              <a:schemeClr val="lt1"/>
-            </a:fontRef>
-          </p:style>
-          <p:txBody>
-            <a:bodyPr rtlCol="0" anchor="ctr"/>
-            <a:lstStyle/>
-            <a:p>
-              <a:pPr algn="ctr"/>
-              <a:endParaRPr lang="en-SE"/>
-            </a:p>
-          </p:txBody>
-        </p:sp>
-        <p:sp>
-          <p:nvSpPr>
-            <p:cNvPr id="11" name="Rectangle 10">
+        </p:pic>
+        <p:pic>
+          <p:nvPicPr>
+            <p:cNvPr id="8" name="Picture 7">
               <a:extLst>
                 <a:ext uri="{FF2B5EF4-FFF2-40B4-BE49-F238E27FC236}">
-                  <a16:creationId xmlns:a16="http://schemas.microsoft.com/office/drawing/2014/main" id="{059D9837-361F-6872-AA79-B0AC783A656C}"/>
+                  <a16:creationId xmlns:a16="http://schemas.microsoft.com/office/drawing/2014/main" id="{AB3FF454-592B-EFEA-C35A-8F8A3C51CFA7}"/>
                 </a:ext>
               </a:extLst>
             </p:cNvPr>
-            <p:cNvSpPr/>
+            <p:cNvPicPr>
+              <a:picLocks noChangeAspect="1"/>
+            </p:cNvPicPr>
             <p:nvPr/>
-          </p:nvSpPr>
+          </p:nvPicPr>
+          <p:blipFill>
+            <a:blip r:embed="rId4"/>
+            <a:stretch>
+              <a:fillRect/>
+            </a:stretch>
+          </p:blipFill>
           <p:spPr>
             <a:xfrm>
-              <a:off x="3548380" y="2691764"/>
-              <a:ext cx="322580" cy="163195"/>
+              <a:off x="1757632" y="0"/>
+              <a:ext cx="2159597" cy="5486400"/>
             </a:xfrm>
             <a:prstGeom prst="rect">
               <a:avLst/>
             </a:prstGeom>
-            <a:noFill/>
-            <a:ln w="28575">
-              <a:solidFill>
-                <a:srgbClr val="F4B183"/>
-              </a:solidFill>
-              <a:prstDash val="sysDot"/>
-            </a:ln>
           </p:spPr>
-          <p:style>
-            <a:lnRef idx="2">
-              <a:schemeClr val="accent1">
-                <a:shade val="15000"/>
-              </a:schemeClr>
-            </a:lnRef>
-            <a:fillRef idx="1">
-              <a:schemeClr val="accent1"/>
-            </a:fillRef>
-            <a:effectRef idx="0">
-              <a:schemeClr val="accent1"/>
-            </a:effectRef>
-            <a:fontRef idx="minor">
-              <a:schemeClr val="lt1"/>
-            </a:fontRef>
-          </p:style>
-          <p:txBody>
-            <a:bodyPr rtlCol="0" anchor="ctr"/>
-            <a:lstStyle/>
-            <a:p>
-              <a:pPr algn="ctr"/>
-              <a:endParaRPr lang="en-SE"/>
-            </a:p>
-          </p:txBody>
-        </p:sp>
-        <p:sp>
-          <p:nvSpPr>
-            <p:cNvPr id="25" name="Rectangle 24">
+        </p:pic>
+        <p:pic>
+          <p:nvPicPr>
+            <p:cNvPr id="10" name="Picture 9">
               <a:extLst>
                 <a:ext uri="{FF2B5EF4-FFF2-40B4-BE49-F238E27FC236}">
-                  <a16:creationId xmlns:a16="http://schemas.microsoft.com/office/drawing/2014/main" id="{50F025E6-6B36-4340-1150-AA03DB7CF970}"/>
+                  <a16:creationId xmlns:a16="http://schemas.microsoft.com/office/drawing/2014/main" id="{866CDDFD-BB26-4954-435B-E4C2CD0EA8A6}"/>
                 </a:ext>
               </a:extLst>
             </p:cNvPr>
-            <p:cNvSpPr/>
+            <p:cNvPicPr>
+              <a:picLocks noChangeAspect="1"/>
+            </p:cNvPicPr>
             <p:nvPr/>
-          </p:nvSpPr>
+          </p:nvPicPr>
+          <p:blipFill>
+            <a:blip r:embed="rId5"/>
+            <a:stretch>
+              <a:fillRect/>
+            </a:stretch>
+          </p:blipFill>
           <p:spPr>
             <a:xfrm>
-              <a:off x="2621280" y="4554221"/>
-              <a:ext cx="1340562" cy="121920"/>
+              <a:off x="-397125" y="0"/>
+              <a:ext cx="2173045" cy="5486400"/>
             </a:xfrm>
             <a:prstGeom prst="rect">
               <a:avLst/>
             </a:prstGeom>
+          </p:spPr>
+        </p:pic>
+      </p:grpSp>
+      <p:sp>
+        <p:nvSpPr>
+          <p:cNvPr id="19" name="Oval 18">
+            <a:extLst>
+              <a:ext uri="{FF2B5EF4-FFF2-40B4-BE49-F238E27FC236}">
+                <a16:creationId xmlns:a16="http://schemas.microsoft.com/office/drawing/2014/main" id="{27262C51-5AE5-A441-CB77-C26E6716FCDF}"/>
+              </a:ext>
+            </a:extLst>
+          </p:cNvPr>
+          <p:cNvSpPr>
+            <a:spLocks noChangeAspect="1"/>
+          </p:cNvSpPr>
+          <p:nvPr/>
+        </p:nvSpPr>
+        <p:spPr>
+          <a:xfrm>
+            <a:off x="2672092" y="1263489"/>
+            <a:ext cx="508512" cy="508512"/>
+          </a:xfrm>
+          <a:prstGeom prst="ellipse">
+            <a:avLst/>
+          </a:prstGeom>
+          <a:solidFill>
+            <a:schemeClr val="accent2">
+              <a:lumMod val="60000"/>
+              <a:lumOff val="40000"/>
+            </a:schemeClr>
+          </a:solidFill>
+          <a:ln>
             <a:noFill/>
-            <a:ln w="28575">
-              <a:solidFill>
-                <a:srgbClr val="F4B183"/>
-              </a:solidFill>
-              <a:prstDash val="sysDot"/>
-            </a:ln>
-          </p:spPr>
-          <p:style>
-            <a:lnRef idx="2">
-              <a:schemeClr val="accent1">
-                <a:shade val="15000"/>
-              </a:schemeClr>
-            </a:lnRef>
-            <a:fillRef idx="1">
-              <a:schemeClr val="accent1"/>
-            </a:fillRef>
-            <a:effectRef idx="0">
-              <a:schemeClr val="accent1"/>
-            </a:effectRef>
-            <a:fontRef idx="minor">
-              <a:schemeClr val="lt1"/>
-            </a:fontRef>
-          </p:style>
-          <p:txBody>
-            <a:bodyPr rtlCol="0" anchor="ctr"/>
-            <a:lstStyle/>
-            <a:p>
-              <a:pPr algn="ctr"/>
-              <a:endParaRPr lang="en-SE"/>
-            </a:p>
-          </p:txBody>
-        </p:sp>
-        <p:sp>
-          <p:nvSpPr>
-            <p:cNvPr id="26" name="Oval 25">
-              <a:extLst>
-                <a:ext uri="{FF2B5EF4-FFF2-40B4-BE49-F238E27FC236}">
-                  <a16:creationId xmlns:a16="http://schemas.microsoft.com/office/drawing/2014/main" id="{1210F1E3-EB0A-FEC6-61E7-DC6CF7446208}"/>
-                </a:ext>
-              </a:extLst>
-            </p:cNvPr>
-            <p:cNvSpPr>
-              <a:spLocks noChangeAspect="1"/>
-            </p:cNvSpPr>
-            <p:nvPr/>
-          </p:nvSpPr>
-          <p:spPr>
-            <a:xfrm>
-              <a:off x="5410322" y="883408"/>
-              <a:ext cx="508512" cy="508512"/>
-            </a:xfrm>
-            <a:prstGeom prst="ellipse">
-              <a:avLst/>
-            </a:prstGeom>
-            <a:solidFill>
-              <a:schemeClr val="accent2">
-                <a:lumMod val="60000"/>
-                <a:lumOff val="40000"/>
-              </a:schemeClr>
-            </a:solidFill>
-            <a:ln>
-              <a:noFill/>
-            </a:ln>
-          </p:spPr>
-          <p:style>
-            <a:lnRef idx="2">
-              <a:schemeClr val="accent1">
-                <a:shade val="15000"/>
-              </a:schemeClr>
-            </a:lnRef>
-            <a:fillRef idx="1">
-              <a:schemeClr val="accent1"/>
-            </a:fillRef>
-            <a:effectRef idx="0">
-              <a:schemeClr val="accent1"/>
-            </a:effectRef>
-            <a:fontRef idx="minor">
-              <a:schemeClr val="lt1"/>
-            </a:fontRef>
-          </p:style>
-          <p:txBody>
-            <a:bodyPr tIns="72000" bIns="108000" rtlCol="0" anchor="ctr"/>
-            <a:lstStyle/>
-            <a:p>
-              <a:pPr algn="ctr"/>
-              <a:r>
-                <a:rPr lang="en-GB" sz="2400" dirty="0">
-                  <a:latin typeface="Arial" panose="020B0604020202020204" pitchFamily="34" charset="0"/>
-                  <a:cs typeface="Arial" panose="020B0604020202020204" pitchFamily="34" charset="0"/>
-                </a:rPr>
-                <a:t>c</a:t>
-              </a:r>
-              <a:endParaRPr lang="en-SE" sz="2400" dirty="0">
+          </a:ln>
+        </p:spPr>
+        <p:style>
+          <a:lnRef idx="2">
+            <a:schemeClr val="accent1">
+              <a:shade val="15000"/>
+            </a:schemeClr>
+          </a:lnRef>
+          <a:fillRef idx="1">
+            <a:schemeClr val="accent1"/>
+          </a:fillRef>
+          <a:effectRef idx="0">
+            <a:schemeClr val="accent1"/>
+          </a:effectRef>
+          <a:fontRef idx="minor">
+            <a:schemeClr val="lt1"/>
+          </a:fontRef>
+        </p:style>
+        <p:txBody>
+          <a:bodyPr tIns="72000" bIns="108000" rtlCol="0" anchor="ctr"/>
+          <a:lstStyle/>
+          <a:p>
+            <a:pPr algn="ctr"/>
+            <a:r>
+              <a:rPr lang="en-GB" sz="2400" dirty="0">
                 <a:latin typeface="Arial" panose="020B0604020202020204" pitchFamily="34" charset="0"/>
                 <a:cs typeface="Arial" panose="020B0604020202020204" pitchFamily="34" charset="0"/>
-              </a:endParaRPr>
-            </a:p>
-          </p:txBody>
-        </p:sp>
-        <p:sp>
-          <p:nvSpPr>
-            <p:cNvPr id="27" name="Oval 26">
-              <a:extLst>
-                <a:ext uri="{FF2B5EF4-FFF2-40B4-BE49-F238E27FC236}">
-                  <a16:creationId xmlns:a16="http://schemas.microsoft.com/office/drawing/2014/main" id="{67F5E700-088C-8464-EA50-BDB1F406C6FB}"/>
-                </a:ext>
-              </a:extLst>
-            </p:cNvPr>
-            <p:cNvSpPr>
-              <a:spLocks noChangeAspect="1"/>
-            </p:cNvSpPr>
-            <p:nvPr/>
-          </p:nvSpPr>
-          <p:spPr>
-            <a:xfrm>
-              <a:off x="4287629" y="883408"/>
-              <a:ext cx="508512" cy="508512"/>
-            </a:xfrm>
-            <a:prstGeom prst="ellipse">
-              <a:avLst/>
-            </a:prstGeom>
+              </a:rPr>
+              <a:t>a</a:t>
+            </a:r>
+            <a:endParaRPr lang="en-SE" sz="2400" dirty="0">
+              <a:latin typeface="Arial" panose="020B0604020202020204" pitchFamily="34" charset="0"/>
+              <a:cs typeface="Arial" panose="020B0604020202020204" pitchFamily="34" charset="0"/>
+            </a:endParaRPr>
+          </a:p>
+        </p:txBody>
+      </p:sp>
+      <p:sp>
+        <p:nvSpPr>
+          <p:cNvPr id="24" name="Rectangle 23">
+            <a:extLst>
+              <a:ext uri="{FF2B5EF4-FFF2-40B4-BE49-F238E27FC236}">
+                <a16:creationId xmlns:a16="http://schemas.microsoft.com/office/drawing/2014/main" id="{BE243494-44F5-3BDE-102A-F2299E35BB7C}"/>
+              </a:ext>
+            </a:extLst>
+          </p:cNvPr>
+          <p:cNvSpPr/>
+          <p:nvPr/>
+        </p:nvSpPr>
+        <p:spPr>
+          <a:xfrm>
+            <a:off x="2414505" y="2743200"/>
+            <a:ext cx="1367790" cy="147638"/>
+          </a:xfrm>
+          <a:prstGeom prst="rect">
+            <a:avLst/>
+          </a:prstGeom>
+          <a:noFill/>
+          <a:ln w="28575">
             <a:solidFill>
-              <a:schemeClr val="accent2">
-                <a:lumMod val="60000"/>
-                <a:lumOff val="40000"/>
-              </a:schemeClr>
+              <a:srgbClr val="F4B183"/>
             </a:solidFill>
-            <a:ln>
-              <a:noFill/>
-            </a:ln>
-          </p:spPr>
-          <p:style>
-            <a:lnRef idx="2">
-              <a:schemeClr val="accent1">
-                <a:shade val="15000"/>
-              </a:schemeClr>
-            </a:lnRef>
-            <a:fillRef idx="1">
-              <a:schemeClr val="accent1"/>
-            </a:fillRef>
-            <a:effectRef idx="0">
-              <a:schemeClr val="accent1"/>
-            </a:effectRef>
-            <a:fontRef idx="minor">
-              <a:schemeClr val="lt1"/>
-            </a:fontRef>
-          </p:style>
-          <p:txBody>
-            <a:bodyPr tIns="72000" bIns="108000" rtlCol="0" anchor="ctr"/>
-            <a:lstStyle/>
-            <a:p>
-              <a:pPr algn="ctr"/>
-              <a:r>
-                <a:rPr lang="en-GB" sz="2400" dirty="0">
-                  <a:latin typeface="Arial" panose="020B0604020202020204" pitchFamily="34" charset="0"/>
-                  <a:cs typeface="Arial" panose="020B0604020202020204" pitchFamily="34" charset="0"/>
-                </a:rPr>
-                <a:t>d</a:t>
-              </a:r>
-              <a:endParaRPr lang="en-SE" sz="2400" dirty="0">
+            <a:prstDash val="sysDot"/>
+          </a:ln>
+        </p:spPr>
+        <p:style>
+          <a:lnRef idx="2">
+            <a:schemeClr val="accent1">
+              <a:shade val="15000"/>
+            </a:schemeClr>
+          </a:lnRef>
+          <a:fillRef idx="1">
+            <a:schemeClr val="accent1"/>
+          </a:fillRef>
+          <a:effectRef idx="0">
+            <a:schemeClr val="accent1"/>
+          </a:effectRef>
+          <a:fontRef idx="minor">
+            <a:schemeClr val="lt1"/>
+          </a:fontRef>
+        </p:style>
+        <p:txBody>
+          <a:bodyPr rtlCol="0" anchor="ctr"/>
+          <a:lstStyle/>
+          <a:p>
+            <a:pPr algn="ctr"/>
+            <a:endParaRPr lang="en-SE"/>
+          </a:p>
+        </p:txBody>
+      </p:sp>
+      <p:sp>
+        <p:nvSpPr>
+          <p:cNvPr id="30" name="Rectangle 29">
+            <a:extLst>
+              <a:ext uri="{FF2B5EF4-FFF2-40B4-BE49-F238E27FC236}">
+                <a16:creationId xmlns:a16="http://schemas.microsoft.com/office/drawing/2014/main" id="{3EE574D5-40F9-128D-5FBE-7C4845B20EFE}"/>
+              </a:ext>
+            </a:extLst>
+          </p:cNvPr>
+          <p:cNvSpPr/>
+          <p:nvPr/>
+        </p:nvSpPr>
+        <p:spPr>
+          <a:xfrm>
+            <a:off x="2414505" y="3499104"/>
+            <a:ext cx="1367790" cy="147638"/>
+          </a:xfrm>
+          <a:prstGeom prst="rect">
+            <a:avLst/>
+          </a:prstGeom>
+          <a:noFill/>
+          <a:ln w="28575">
+            <a:solidFill>
+              <a:srgbClr val="F4B183"/>
+            </a:solidFill>
+            <a:prstDash val="sysDot"/>
+          </a:ln>
+        </p:spPr>
+        <p:style>
+          <a:lnRef idx="2">
+            <a:schemeClr val="accent1">
+              <a:shade val="15000"/>
+            </a:schemeClr>
+          </a:lnRef>
+          <a:fillRef idx="1">
+            <a:schemeClr val="accent1"/>
+          </a:fillRef>
+          <a:effectRef idx="0">
+            <a:schemeClr val="accent1"/>
+          </a:effectRef>
+          <a:fontRef idx="minor">
+            <a:schemeClr val="lt1"/>
+          </a:fontRef>
+        </p:style>
+        <p:txBody>
+          <a:bodyPr rtlCol="0" anchor="ctr"/>
+          <a:lstStyle/>
+          <a:p>
+            <a:pPr algn="ctr"/>
+            <a:endParaRPr lang="en-SE"/>
+          </a:p>
+        </p:txBody>
+      </p:sp>
+      <p:sp>
+        <p:nvSpPr>
+          <p:cNvPr id="31" name="Rectangle 30">
+            <a:extLst>
+              <a:ext uri="{FF2B5EF4-FFF2-40B4-BE49-F238E27FC236}">
+                <a16:creationId xmlns:a16="http://schemas.microsoft.com/office/drawing/2014/main" id="{3AE912BF-E06D-29F2-9D02-83721C466697}"/>
+              </a:ext>
+            </a:extLst>
+          </p:cNvPr>
+          <p:cNvSpPr/>
+          <p:nvPr/>
+        </p:nvSpPr>
+        <p:spPr>
+          <a:xfrm>
+            <a:off x="3353351" y="1772001"/>
+            <a:ext cx="335999" cy="147638"/>
+          </a:xfrm>
+          <a:prstGeom prst="rect">
+            <a:avLst/>
+          </a:prstGeom>
+          <a:noFill/>
+          <a:ln w="28575">
+            <a:solidFill>
+              <a:srgbClr val="F4B183"/>
+            </a:solidFill>
+            <a:prstDash val="sysDot"/>
+          </a:ln>
+        </p:spPr>
+        <p:style>
+          <a:lnRef idx="2">
+            <a:schemeClr val="accent1">
+              <a:shade val="15000"/>
+            </a:schemeClr>
+          </a:lnRef>
+          <a:fillRef idx="1">
+            <a:schemeClr val="accent1"/>
+          </a:fillRef>
+          <a:effectRef idx="0">
+            <a:schemeClr val="accent1"/>
+          </a:effectRef>
+          <a:fontRef idx="minor">
+            <a:schemeClr val="lt1"/>
+          </a:fontRef>
+        </p:style>
+        <p:txBody>
+          <a:bodyPr rtlCol="0" anchor="ctr"/>
+          <a:lstStyle/>
+          <a:p>
+            <a:pPr algn="ctr"/>
+            <a:endParaRPr lang="en-SE"/>
+          </a:p>
+        </p:txBody>
+      </p:sp>
+      <p:sp>
+        <p:nvSpPr>
+          <p:cNvPr id="32" name="Oval 31">
+            <a:extLst>
+              <a:ext uri="{FF2B5EF4-FFF2-40B4-BE49-F238E27FC236}">
+                <a16:creationId xmlns:a16="http://schemas.microsoft.com/office/drawing/2014/main" id="{39D184B0-0DF3-940E-2B75-D3637E4233FC}"/>
+              </a:ext>
+            </a:extLst>
+          </p:cNvPr>
+          <p:cNvSpPr>
+            <a:spLocks noChangeAspect="1"/>
+          </p:cNvSpPr>
+          <p:nvPr/>
+        </p:nvSpPr>
+        <p:spPr>
+          <a:xfrm>
+            <a:off x="3717556" y="3318667"/>
+            <a:ext cx="508512" cy="508512"/>
+          </a:xfrm>
+          <a:prstGeom prst="ellipse">
+            <a:avLst/>
+          </a:prstGeom>
+          <a:solidFill>
+            <a:schemeClr val="accent2">
+              <a:lumMod val="60000"/>
+              <a:lumOff val="40000"/>
+            </a:schemeClr>
+          </a:solidFill>
+          <a:ln>
+            <a:noFill/>
+          </a:ln>
+        </p:spPr>
+        <p:style>
+          <a:lnRef idx="2">
+            <a:schemeClr val="accent1">
+              <a:shade val="15000"/>
+            </a:schemeClr>
+          </a:lnRef>
+          <a:fillRef idx="1">
+            <a:schemeClr val="accent1"/>
+          </a:fillRef>
+          <a:effectRef idx="0">
+            <a:schemeClr val="accent1"/>
+          </a:effectRef>
+          <a:fontRef idx="minor">
+            <a:schemeClr val="lt1"/>
+          </a:fontRef>
+        </p:style>
+        <p:txBody>
+          <a:bodyPr tIns="72000" bIns="108000" rtlCol="0" anchor="ctr"/>
+          <a:lstStyle/>
+          <a:p>
+            <a:pPr algn="ctr"/>
+            <a:r>
+              <a:rPr lang="en-GB" sz="2400" dirty="0">
                 <a:latin typeface="Arial" panose="020B0604020202020204" pitchFamily="34" charset="0"/>
                 <a:cs typeface="Arial" panose="020B0604020202020204" pitchFamily="34" charset="0"/>
-              </a:endParaRPr>
-            </a:p>
-          </p:txBody>
-        </p:sp>
-        <p:sp>
-          <p:nvSpPr>
-            <p:cNvPr id="28" name="Rectangle 27">
-              <a:extLst>
-                <a:ext uri="{FF2B5EF4-FFF2-40B4-BE49-F238E27FC236}">
-                  <a16:creationId xmlns:a16="http://schemas.microsoft.com/office/drawing/2014/main" id="{C363259E-73F2-F14F-6CA5-42544FD66573}"/>
-                </a:ext>
-              </a:extLst>
-            </p:cNvPr>
-            <p:cNvSpPr/>
-            <p:nvPr/>
-          </p:nvSpPr>
-          <p:spPr>
-            <a:xfrm>
-              <a:off x="4455139" y="609600"/>
-              <a:ext cx="204470" cy="226059"/>
-            </a:xfrm>
-            <a:prstGeom prst="rect">
-              <a:avLst/>
-            </a:prstGeom>
+              </a:rPr>
+              <a:t>b</a:t>
+            </a:r>
+            <a:endParaRPr lang="en-SE" sz="2400" dirty="0">
+              <a:latin typeface="Arial" panose="020B0604020202020204" pitchFamily="34" charset="0"/>
+              <a:cs typeface="Arial" panose="020B0604020202020204" pitchFamily="34" charset="0"/>
+            </a:endParaRPr>
+          </a:p>
+        </p:txBody>
+      </p:sp>
+      <p:sp>
+        <p:nvSpPr>
+          <p:cNvPr id="33" name="Oval 32">
+            <a:extLst>
+              <a:ext uri="{FF2B5EF4-FFF2-40B4-BE49-F238E27FC236}">
+                <a16:creationId xmlns:a16="http://schemas.microsoft.com/office/drawing/2014/main" id="{882EB5D6-854A-8E0B-36A0-F26C3C91E6A8}"/>
+              </a:ext>
+            </a:extLst>
+          </p:cNvPr>
+          <p:cNvSpPr>
+            <a:spLocks noChangeAspect="1"/>
+          </p:cNvSpPr>
+          <p:nvPr/>
+        </p:nvSpPr>
+        <p:spPr>
+          <a:xfrm>
+            <a:off x="5235460" y="548035"/>
+            <a:ext cx="508512" cy="508512"/>
+          </a:xfrm>
+          <a:prstGeom prst="ellipse">
+            <a:avLst/>
+          </a:prstGeom>
+          <a:solidFill>
+            <a:schemeClr val="accent2">
+              <a:lumMod val="60000"/>
+              <a:lumOff val="40000"/>
+            </a:schemeClr>
+          </a:solidFill>
+          <a:ln>
             <a:noFill/>
-            <a:ln w="28575">
-              <a:solidFill>
-                <a:srgbClr val="F4B183"/>
-              </a:solidFill>
-              <a:prstDash val="sysDot"/>
-            </a:ln>
-          </p:spPr>
-          <p:style>
-            <a:lnRef idx="2">
-              <a:schemeClr val="accent1">
-                <a:shade val="15000"/>
-              </a:schemeClr>
-            </a:lnRef>
-            <a:fillRef idx="1">
-              <a:schemeClr val="accent1"/>
-            </a:fillRef>
-            <a:effectRef idx="0">
-              <a:schemeClr val="accent1"/>
-            </a:effectRef>
-            <a:fontRef idx="minor">
-              <a:schemeClr val="lt1"/>
-            </a:fontRef>
-          </p:style>
-          <p:txBody>
-            <a:bodyPr rtlCol="0" anchor="ctr"/>
-            <a:lstStyle/>
-            <a:p>
-              <a:pPr algn="ctr"/>
-              <a:endParaRPr lang="en-SE"/>
-            </a:p>
-          </p:txBody>
-        </p:sp>
-        <p:sp>
-          <p:nvSpPr>
-            <p:cNvPr id="29" name="Oval 28">
-              <a:extLst>
-                <a:ext uri="{FF2B5EF4-FFF2-40B4-BE49-F238E27FC236}">
-                  <a16:creationId xmlns:a16="http://schemas.microsoft.com/office/drawing/2014/main" id="{9DA4F89B-3253-46FA-70D8-C4132D63AC28}"/>
-                </a:ext>
-              </a:extLst>
-            </p:cNvPr>
-            <p:cNvSpPr>
-              <a:spLocks noChangeAspect="1"/>
-            </p:cNvSpPr>
-            <p:nvPr/>
-          </p:nvSpPr>
-          <p:spPr>
-            <a:xfrm>
-              <a:off x="8268888" y="2751394"/>
-              <a:ext cx="508512" cy="508512"/>
-            </a:xfrm>
-            <a:prstGeom prst="ellipse">
-              <a:avLst/>
-            </a:prstGeom>
-            <a:solidFill>
-              <a:schemeClr val="accent2">
-                <a:lumMod val="60000"/>
-                <a:lumOff val="40000"/>
-              </a:schemeClr>
-            </a:solidFill>
-            <a:ln>
-              <a:noFill/>
-            </a:ln>
-          </p:spPr>
-          <p:style>
-            <a:lnRef idx="2">
-              <a:schemeClr val="accent1">
-                <a:shade val="15000"/>
-              </a:schemeClr>
-            </a:lnRef>
-            <a:fillRef idx="1">
-              <a:schemeClr val="accent1"/>
-            </a:fillRef>
-            <a:effectRef idx="0">
-              <a:schemeClr val="accent1"/>
-            </a:effectRef>
-            <a:fontRef idx="minor">
-              <a:schemeClr val="lt1"/>
-            </a:fontRef>
-          </p:style>
-          <p:txBody>
-            <a:bodyPr tIns="72000" bIns="108000" rtlCol="0" anchor="ctr"/>
-            <a:lstStyle/>
-            <a:p>
-              <a:pPr algn="ctr"/>
-              <a:r>
-                <a:rPr lang="en-GB" sz="2400" dirty="0">
-                  <a:latin typeface="Arial" panose="020B0604020202020204" pitchFamily="34" charset="0"/>
-                  <a:cs typeface="Arial" panose="020B0604020202020204" pitchFamily="34" charset="0"/>
-                </a:rPr>
-                <a:t>e</a:t>
-              </a:r>
-              <a:endParaRPr lang="en-SE" sz="2400" dirty="0">
+          </a:ln>
+        </p:spPr>
+        <p:style>
+          <a:lnRef idx="2">
+            <a:schemeClr val="accent1">
+              <a:shade val="15000"/>
+            </a:schemeClr>
+          </a:lnRef>
+          <a:fillRef idx="1">
+            <a:schemeClr val="accent1"/>
+          </a:fillRef>
+          <a:effectRef idx="0">
+            <a:schemeClr val="accent1"/>
+          </a:effectRef>
+          <a:fontRef idx="minor">
+            <a:schemeClr val="lt1"/>
+          </a:fontRef>
+        </p:style>
+        <p:txBody>
+          <a:bodyPr tIns="72000" bIns="108000" rtlCol="0" anchor="ctr"/>
+          <a:lstStyle/>
+          <a:p>
+            <a:pPr algn="ctr"/>
+            <a:r>
+              <a:rPr lang="en-GB" sz="2400" dirty="0">
                 <a:latin typeface="Arial" panose="020B0604020202020204" pitchFamily="34" charset="0"/>
                 <a:cs typeface="Arial" panose="020B0604020202020204" pitchFamily="34" charset="0"/>
-              </a:endParaRPr>
-            </a:p>
-          </p:txBody>
-        </p:sp>
-        <p:sp>
-          <p:nvSpPr>
-            <p:cNvPr id="7" name="Rectangle 6">
-              <a:extLst>
-                <a:ext uri="{FF2B5EF4-FFF2-40B4-BE49-F238E27FC236}">
-                  <a16:creationId xmlns:a16="http://schemas.microsoft.com/office/drawing/2014/main" id="{3BECC7C8-035B-A1C8-769C-5C658D387A90}"/>
-                </a:ext>
-              </a:extLst>
-            </p:cNvPr>
-            <p:cNvSpPr/>
-            <p:nvPr/>
-          </p:nvSpPr>
-          <p:spPr>
-            <a:xfrm>
-              <a:off x="2621280" y="3804657"/>
-              <a:ext cx="1340562" cy="121920"/>
-            </a:xfrm>
-            <a:prstGeom prst="rect">
-              <a:avLst/>
-            </a:prstGeom>
+              </a:rPr>
+              <a:t>c</a:t>
+            </a:r>
+            <a:endParaRPr lang="en-SE" sz="2400" dirty="0">
+              <a:latin typeface="Arial" panose="020B0604020202020204" pitchFamily="34" charset="0"/>
+              <a:cs typeface="Arial" panose="020B0604020202020204" pitchFamily="34" charset="0"/>
+            </a:endParaRPr>
+          </a:p>
+        </p:txBody>
+      </p:sp>
+      <p:sp>
+        <p:nvSpPr>
+          <p:cNvPr id="34" name="Rectangle 33">
+            <a:extLst>
+              <a:ext uri="{FF2B5EF4-FFF2-40B4-BE49-F238E27FC236}">
+                <a16:creationId xmlns:a16="http://schemas.microsoft.com/office/drawing/2014/main" id="{25178712-EDFB-1D3E-F769-A61FF2E8319B}"/>
+              </a:ext>
+            </a:extLst>
+          </p:cNvPr>
+          <p:cNvSpPr/>
+          <p:nvPr/>
+        </p:nvSpPr>
+        <p:spPr>
+          <a:xfrm>
+            <a:off x="5385481" y="276254"/>
+            <a:ext cx="202520" cy="213965"/>
+          </a:xfrm>
+          <a:prstGeom prst="rect">
+            <a:avLst/>
+          </a:prstGeom>
+          <a:noFill/>
+          <a:ln w="28575">
+            <a:solidFill>
+              <a:srgbClr val="F4B183"/>
+            </a:solidFill>
+            <a:prstDash val="sysDot"/>
+          </a:ln>
+        </p:spPr>
+        <p:style>
+          <a:lnRef idx="2">
+            <a:schemeClr val="accent1">
+              <a:shade val="15000"/>
+            </a:schemeClr>
+          </a:lnRef>
+          <a:fillRef idx="1">
+            <a:schemeClr val="accent1"/>
+          </a:fillRef>
+          <a:effectRef idx="0">
+            <a:schemeClr val="accent1"/>
+          </a:effectRef>
+          <a:fontRef idx="minor">
+            <a:schemeClr val="lt1"/>
+          </a:fontRef>
+        </p:style>
+        <p:txBody>
+          <a:bodyPr rtlCol="0" anchor="ctr"/>
+          <a:lstStyle/>
+          <a:p>
+            <a:pPr algn="ctr"/>
+            <a:endParaRPr lang="en-SE"/>
+          </a:p>
+        </p:txBody>
+      </p:sp>
+      <p:sp>
+        <p:nvSpPr>
+          <p:cNvPr id="35" name="Oval 34">
+            <a:extLst>
+              <a:ext uri="{FF2B5EF4-FFF2-40B4-BE49-F238E27FC236}">
+                <a16:creationId xmlns:a16="http://schemas.microsoft.com/office/drawing/2014/main" id="{31F833A9-E7BA-0CCB-61B6-EF08A54C15AA}"/>
+              </a:ext>
+            </a:extLst>
+          </p:cNvPr>
+          <p:cNvSpPr>
+            <a:spLocks noChangeAspect="1"/>
+          </p:cNvSpPr>
+          <p:nvPr/>
+        </p:nvSpPr>
+        <p:spPr>
+          <a:xfrm>
+            <a:off x="4104600" y="548035"/>
+            <a:ext cx="508512" cy="508512"/>
+          </a:xfrm>
+          <a:prstGeom prst="ellipse">
+            <a:avLst/>
+          </a:prstGeom>
+          <a:solidFill>
+            <a:schemeClr val="accent2">
+              <a:lumMod val="60000"/>
+              <a:lumOff val="40000"/>
+            </a:schemeClr>
+          </a:solidFill>
+          <a:ln>
             <a:noFill/>
-            <a:ln w="28575">
-              <a:solidFill>
-                <a:srgbClr val="F4B183"/>
-              </a:solidFill>
-              <a:prstDash val="sysDot"/>
-            </a:ln>
-          </p:spPr>
-          <p:style>
-            <a:lnRef idx="2">
-              <a:schemeClr val="accent1">
-                <a:shade val="15000"/>
-              </a:schemeClr>
-            </a:lnRef>
-            <a:fillRef idx="1">
-              <a:schemeClr val="accent1"/>
-            </a:fillRef>
-            <a:effectRef idx="0">
-              <a:schemeClr val="accent1"/>
-            </a:effectRef>
-            <a:fontRef idx="minor">
-              <a:schemeClr val="lt1"/>
-            </a:fontRef>
-          </p:style>
-          <p:txBody>
-            <a:bodyPr rtlCol="0" anchor="ctr"/>
-            <a:lstStyle/>
-            <a:p>
-              <a:pPr algn="ctr"/>
-              <a:endParaRPr lang="en-SE"/>
-            </a:p>
-          </p:txBody>
-        </p:sp>
-      </p:grpSp>
+          </a:ln>
+        </p:spPr>
+        <p:style>
+          <a:lnRef idx="2">
+            <a:schemeClr val="accent1">
+              <a:shade val="15000"/>
+            </a:schemeClr>
+          </a:lnRef>
+          <a:fillRef idx="1">
+            <a:schemeClr val="accent1"/>
+          </a:fillRef>
+          <a:effectRef idx="0">
+            <a:schemeClr val="accent1"/>
+          </a:effectRef>
+          <a:fontRef idx="minor">
+            <a:schemeClr val="lt1"/>
+          </a:fontRef>
+        </p:style>
+        <p:txBody>
+          <a:bodyPr tIns="72000" bIns="108000" rtlCol="0" anchor="ctr"/>
+          <a:lstStyle/>
+          <a:p>
+            <a:pPr algn="ctr"/>
+            <a:r>
+              <a:rPr lang="en-GB" sz="2400" dirty="0">
+                <a:latin typeface="Arial" panose="020B0604020202020204" pitchFamily="34" charset="0"/>
+                <a:cs typeface="Arial" panose="020B0604020202020204" pitchFamily="34" charset="0"/>
+              </a:rPr>
+              <a:t>d</a:t>
+            </a:r>
+            <a:endParaRPr lang="en-SE" sz="2400" dirty="0">
+              <a:latin typeface="Arial" panose="020B0604020202020204" pitchFamily="34" charset="0"/>
+              <a:cs typeface="Arial" panose="020B0604020202020204" pitchFamily="34" charset="0"/>
+            </a:endParaRPr>
+          </a:p>
+        </p:txBody>
+      </p:sp>
+      <p:sp>
+        <p:nvSpPr>
+          <p:cNvPr id="36" name="Rectangle 35">
+            <a:extLst>
+              <a:ext uri="{FF2B5EF4-FFF2-40B4-BE49-F238E27FC236}">
+                <a16:creationId xmlns:a16="http://schemas.microsoft.com/office/drawing/2014/main" id="{72D994D3-0A52-DCFC-4973-0B723DFDFCD4}"/>
+              </a:ext>
+            </a:extLst>
+          </p:cNvPr>
+          <p:cNvSpPr/>
+          <p:nvPr/>
+        </p:nvSpPr>
+        <p:spPr>
+          <a:xfrm>
+            <a:off x="4254621" y="276254"/>
+            <a:ext cx="202520" cy="213965"/>
+          </a:xfrm>
+          <a:prstGeom prst="rect">
+            <a:avLst/>
+          </a:prstGeom>
+          <a:noFill/>
+          <a:ln w="28575">
+            <a:solidFill>
+              <a:srgbClr val="F4B183"/>
+            </a:solidFill>
+            <a:prstDash val="sysDot"/>
+          </a:ln>
+        </p:spPr>
+        <p:style>
+          <a:lnRef idx="2">
+            <a:schemeClr val="accent1">
+              <a:shade val="15000"/>
+            </a:schemeClr>
+          </a:lnRef>
+          <a:fillRef idx="1">
+            <a:schemeClr val="accent1"/>
+          </a:fillRef>
+          <a:effectRef idx="0">
+            <a:schemeClr val="accent1"/>
+          </a:effectRef>
+          <a:fontRef idx="minor">
+            <a:schemeClr val="lt1"/>
+          </a:fontRef>
+        </p:style>
+        <p:txBody>
+          <a:bodyPr rtlCol="0" anchor="ctr"/>
+          <a:lstStyle/>
+          <a:p>
+            <a:pPr algn="ctr"/>
+            <a:endParaRPr lang="en-SE"/>
+          </a:p>
+        </p:txBody>
+      </p:sp>
+      <p:sp>
+        <p:nvSpPr>
+          <p:cNvPr id="37" name="Oval 36">
+            <a:extLst>
+              <a:ext uri="{FF2B5EF4-FFF2-40B4-BE49-F238E27FC236}">
+                <a16:creationId xmlns:a16="http://schemas.microsoft.com/office/drawing/2014/main" id="{BAF6CE4A-29B7-05F0-13A3-68EDDD0CD1E6}"/>
+              </a:ext>
+            </a:extLst>
+          </p:cNvPr>
+          <p:cNvSpPr>
+            <a:spLocks noChangeAspect="1"/>
+          </p:cNvSpPr>
+          <p:nvPr/>
+        </p:nvSpPr>
+        <p:spPr>
+          <a:xfrm>
+            <a:off x="8223357" y="2585879"/>
+            <a:ext cx="508512" cy="508512"/>
+          </a:xfrm>
+          <a:prstGeom prst="ellipse">
+            <a:avLst/>
+          </a:prstGeom>
+          <a:solidFill>
+            <a:schemeClr val="accent2">
+              <a:lumMod val="60000"/>
+              <a:lumOff val="40000"/>
+            </a:schemeClr>
+          </a:solidFill>
+          <a:ln>
+            <a:noFill/>
+          </a:ln>
+        </p:spPr>
+        <p:style>
+          <a:lnRef idx="2">
+            <a:schemeClr val="accent1">
+              <a:shade val="15000"/>
+            </a:schemeClr>
+          </a:lnRef>
+          <a:fillRef idx="1">
+            <a:schemeClr val="accent1"/>
+          </a:fillRef>
+          <a:effectRef idx="0">
+            <a:schemeClr val="accent1"/>
+          </a:effectRef>
+          <a:fontRef idx="minor">
+            <a:schemeClr val="lt1"/>
+          </a:fontRef>
+        </p:style>
+        <p:txBody>
+          <a:bodyPr tIns="72000" bIns="108000" rtlCol="0" anchor="ctr"/>
+          <a:lstStyle/>
+          <a:p>
+            <a:pPr algn="ctr"/>
+            <a:r>
+              <a:rPr lang="en-GB" sz="2400" dirty="0">
+                <a:latin typeface="Arial" panose="020B0604020202020204" pitchFamily="34" charset="0"/>
+                <a:cs typeface="Arial" panose="020B0604020202020204" pitchFamily="34" charset="0"/>
+              </a:rPr>
+              <a:t>e</a:t>
+            </a:r>
+            <a:endParaRPr lang="en-SE" sz="2400" dirty="0">
+              <a:latin typeface="Arial" panose="020B0604020202020204" pitchFamily="34" charset="0"/>
+              <a:cs typeface="Arial" panose="020B0604020202020204" pitchFamily="34" charset="0"/>
+            </a:endParaRPr>
+          </a:p>
+        </p:txBody>
+      </p:sp>
+      <p:sp>
+        <p:nvSpPr>
+          <p:cNvPr id="38" name="Rectangle 37">
+            <a:extLst>
+              <a:ext uri="{FF2B5EF4-FFF2-40B4-BE49-F238E27FC236}">
+                <a16:creationId xmlns:a16="http://schemas.microsoft.com/office/drawing/2014/main" id="{F09C3D05-27D0-009C-C70C-8BF354163D11}"/>
+              </a:ext>
+            </a:extLst>
+          </p:cNvPr>
+          <p:cNvSpPr/>
+          <p:nvPr/>
+        </p:nvSpPr>
+        <p:spPr>
+          <a:xfrm>
+            <a:off x="6926579" y="2306002"/>
+            <a:ext cx="1750061" cy="300038"/>
+          </a:xfrm>
+          <a:prstGeom prst="rect">
+            <a:avLst/>
+          </a:prstGeom>
+          <a:noFill/>
+          <a:ln w="28575">
+            <a:solidFill>
+              <a:srgbClr val="F4B183"/>
+            </a:solidFill>
+            <a:prstDash val="sysDot"/>
+          </a:ln>
+        </p:spPr>
+        <p:style>
+          <a:lnRef idx="2">
+            <a:schemeClr val="accent1">
+              <a:shade val="15000"/>
+            </a:schemeClr>
+          </a:lnRef>
+          <a:fillRef idx="1">
+            <a:schemeClr val="accent1"/>
+          </a:fillRef>
+          <a:effectRef idx="0">
+            <a:schemeClr val="accent1"/>
+          </a:effectRef>
+          <a:fontRef idx="minor">
+            <a:schemeClr val="lt1"/>
+          </a:fontRef>
+        </p:style>
+        <p:txBody>
+          <a:bodyPr rtlCol="0" anchor="ctr"/>
+          <a:lstStyle/>
+          <a:p>
+            <a:pPr algn="ctr"/>
+            <a:endParaRPr lang="en-SE"/>
+          </a:p>
+        </p:txBody>
+      </p:sp>
     </p:spTree>
     <p:extLst>
       <p:ext uri="{BB962C8B-B14F-4D97-AF65-F5344CB8AC3E}">

--- a/tutorials/pipelines/tut_a_fun_bud/vector files/fig09_big.pptx
+++ b/tutorials/pipelines/tut_a_fun_bud/vector files/fig09_big.pptx
@@ -243,7 +243,7 @@
           <a:p>
             <a:fld id="{CA1BB51F-BFC6-4DD3-8C2A-5B21FD6F69C3}" type="datetimeFigureOut">
               <a:rPr lang="en-SE" smtClean="0"/>
-              <a:t>10/01/2023</a:t>
+              <a:t>2023-10-05</a:t>
             </a:fld>
             <a:endParaRPr lang="en-SE"/>
           </a:p>
@@ -413,7 +413,7 @@
           <a:p>
             <a:fld id="{CA1BB51F-BFC6-4DD3-8C2A-5B21FD6F69C3}" type="datetimeFigureOut">
               <a:rPr lang="en-SE" smtClean="0"/>
-              <a:t>10/01/2023</a:t>
+              <a:t>2023-10-05</a:t>
             </a:fld>
             <a:endParaRPr lang="en-SE"/>
           </a:p>
@@ -593,7 +593,7 @@
           <a:p>
             <a:fld id="{CA1BB51F-BFC6-4DD3-8C2A-5B21FD6F69C3}" type="datetimeFigureOut">
               <a:rPr lang="en-SE" smtClean="0"/>
-              <a:t>10/01/2023</a:t>
+              <a:t>2023-10-05</a:t>
             </a:fld>
             <a:endParaRPr lang="en-SE"/>
           </a:p>
@@ -763,7 +763,7 @@
           <a:p>
             <a:fld id="{CA1BB51F-BFC6-4DD3-8C2A-5B21FD6F69C3}" type="datetimeFigureOut">
               <a:rPr lang="en-SE" smtClean="0"/>
-              <a:t>10/01/2023</a:t>
+              <a:t>2023-10-05</a:t>
             </a:fld>
             <a:endParaRPr lang="en-SE"/>
           </a:p>
@@ -1009,7 +1009,7 @@
           <a:p>
             <a:fld id="{CA1BB51F-BFC6-4DD3-8C2A-5B21FD6F69C3}" type="datetimeFigureOut">
               <a:rPr lang="en-SE" smtClean="0"/>
-              <a:t>10/01/2023</a:t>
+              <a:t>2023-10-05</a:t>
             </a:fld>
             <a:endParaRPr lang="en-SE"/>
           </a:p>
@@ -1241,7 +1241,7 @@
           <a:p>
             <a:fld id="{CA1BB51F-BFC6-4DD3-8C2A-5B21FD6F69C3}" type="datetimeFigureOut">
               <a:rPr lang="en-SE" smtClean="0"/>
-              <a:t>10/01/2023</a:t>
+              <a:t>2023-10-05</a:t>
             </a:fld>
             <a:endParaRPr lang="en-SE"/>
           </a:p>
@@ -1608,7 +1608,7 @@
           <a:p>
             <a:fld id="{CA1BB51F-BFC6-4DD3-8C2A-5B21FD6F69C3}" type="datetimeFigureOut">
               <a:rPr lang="en-SE" smtClean="0"/>
-              <a:t>10/01/2023</a:t>
+              <a:t>2023-10-05</a:t>
             </a:fld>
             <a:endParaRPr lang="en-SE"/>
           </a:p>
@@ -1726,7 +1726,7 @@
           <a:p>
             <a:fld id="{CA1BB51F-BFC6-4DD3-8C2A-5B21FD6F69C3}" type="datetimeFigureOut">
               <a:rPr lang="en-SE" smtClean="0"/>
-              <a:t>10/01/2023</a:t>
+              <a:t>2023-10-05</a:t>
             </a:fld>
             <a:endParaRPr lang="en-SE"/>
           </a:p>
@@ -1821,7 +1821,7 @@
           <a:p>
             <a:fld id="{CA1BB51F-BFC6-4DD3-8C2A-5B21FD6F69C3}" type="datetimeFigureOut">
               <a:rPr lang="en-SE" smtClean="0"/>
-              <a:t>10/01/2023</a:t>
+              <a:t>2023-10-05</a:t>
             </a:fld>
             <a:endParaRPr lang="en-SE"/>
           </a:p>
@@ -2098,7 +2098,7 @@
           <a:p>
             <a:fld id="{CA1BB51F-BFC6-4DD3-8C2A-5B21FD6F69C3}" type="datetimeFigureOut">
               <a:rPr lang="en-SE" smtClean="0"/>
-              <a:t>10/01/2023</a:t>
+              <a:t>2023-10-05</a:t>
             </a:fld>
             <a:endParaRPr lang="en-SE"/>
           </a:p>
@@ -2355,7 +2355,7 @@
           <a:p>
             <a:fld id="{CA1BB51F-BFC6-4DD3-8C2A-5B21FD6F69C3}" type="datetimeFigureOut">
               <a:rPr lang="en-SE" smtClean="0"/>
-              <a:t>10/01/2023</a:t>
+              <a:t>2023-10-05</a:t>
             </a:fld>
             <a:endParaRPr lang="en-SE"/>
           </a:p>
@@ -2568,7 +2568,7 @@
           <a:p>
             <a:fld id="{CA1BB51F-BFC6-4DD3-8C2A-5B21FD6F69C3}" type="datetimeFigureOut">
               <a:rPr lang="en-SE" smtClean="0"/>
-              <a:t>10/01/2023</a:t>
+              <a:t>2023-10-05</a:t>
             </a:fld>
             <a:endParaRPr lang="en-SE"/>
           </a:p>
@@ -3465,7 +3465,7 @@
                 <a:latin typeface="Arial" panose="020B0604020202020204" pitchFamily="34" charset="0"/>
                 <a:cs typeface="Arial" panose="020B0604020202020204" pitchFamily="34" charset="0"/>
               </a:rPr>
-              <a:t>c</a:t>
+              <a:t>d</a:t>
             </a:r>
             <a:endParaRPr lang="en-SE" sz="2400" dirty="0">
               <a:latin typeface="Arial" panose="020B0604020202020204" pitchFamily="34" charset="0"/>
@@ -3543,7 +3543,7 @@
         </p:nvSpPr>
         <p:spPr>
           <a:xfrm>
-            <a:off x="4104600" y="548035"/>
+            <a:off x="4104600" y="539327"/>
             <a:ext cx="508512" cy="508512"/>
           </a:xfrm>
           <a:prstGeom prst="ellipse">
@@ -3585,7 +3585,7 @@
                 <a:latin typeface="Arial" panose="020B0604020202020204" pitchFamily="34" charset="0"/>
                 <a:cs typeface="Arial" panose="020B0604020202020204" pitchFamily="34" charset="0"/>
               </a:rPr>
-              <a:t>d</a:t>
+              <a:t>c</a:t>
             </a:r>
             <a:endParaRPr lang="en-SE" sz="2400" dirty="0">
               <a:latin typeface="Arial" panose="020B0604020202020204" pitchFamily="34" charset="0"/>

--- a/tutorials/pipelines/tut_a_fun_bud/vector files/fig09_big.pptx
+++ b/tutorials/pipelines/tut_a_fun_bud/vector files/fig09_big.pptx
@@ -243,7 +243,7 @@
           <a:p>
             <a:fld id="{CA1BB51F-BFC6-4DD3-8C2A-5B21FD6F69C3}" type="datetimeFigureOut">
               <a:rPr lang="en-SE" smtClean="0"/>
-              <a:t>2023-10-05</a:t>
+              <a:t>10/01/2023</a:t>
             </a:fld>
             <a:endParaRPr lang="en-SE"/>
           </a:p>
@@ -413,7 +413,7 @@
           <a:p>
             <a:fld id="{CA1BB51F-BFC6-4DD3-8C2A-5B21FD6F69C3}" type="datetimeFigureOut">
               <a:rPr lang="en-SE" smtClean="0"/>
-              <a:t>2023-10-05</a:t>
+              <a:t>10/01/2023</a:t>
             </a:fld>
             <a:endParaRPr lang="en-SE"/>
           </a:p>
@@ -593,7 +593,7 @@
           <a:p>
             <a:fld id="{CA1BB51F-BFC6-4DD3-8C2A-5B21FD6F69C3}" type="datetimeFigureOut">
               <a:rPr lang="en-SE" smtClean="0"/>
-              <a:t>2023-10-05</a:t>
+              <a:t>10/01/2023</a:t>
             </a:fld>
             <a:endParaRPr lang="en-SE"/>
           </a:p>
@@ -763,7 +763,7 @@
           <a:p>
             <a:fld id="{CA1BB51F-BFC6-4DD3-8C2A-5B21FD6F69C3}" type="datetimeFigureOut">
               <a:rPr lang="en-SE" smtClean="0"/>
-              <a:t>2023-10-05</a:t>
+              <a:t>10/01/2023</a:t>
             </a:fld>
             <a:endParaRPr lang="en-SE"/>
           </a:p>
@@ -1009,7 +1009,7 @@
           <a:p>
             <a:fld id="{CA1BB51F-BFC6-4DD3-8C2A-5B21FD6F69C3}" type="datetimeFigureOut">
               <a:rPr lang="en-SE" smtClean="0"/>
-              <a:t>2023-10-05</a:t>
+              <a:t>10/01/2023</a:t>
             </a:fld>
             <a:endParaRPr lang="en-SE"/>
           </a:p>
@@ -1241,7 +1241,7 @@
           <a:p>
             <a:fld id="{CA1BB51F-BFC6-4DD3-8C2A-5B21FD6F69C3}" type="datetimeFigureOut">
               <a:rPr lang="en-SE" smtClean="0"/>
-              <a:t>2023-10-05</a:t>
+              <a:t>10/01/2023</a:t>
             </a:fld>
             <a:endParaRPr lang="en-SE"/>
           </a:p>
@@ -1608,7 +1608,7 @@
           <a:p>
             <a:fld id="{CA1BB51F-BFC6-4DD3-8C2A-5B21FD6F69C3}" type="datetimeFigureOut">
               <a:rPr lang="en-SE" smtClean="0"/>
-              <a:t>2023-10-05</a:t>
+              <a:t>10/01/2023</a:t>
             </a:fld>
             <a:endParaRPr lang="en-SE"/>
           </a:p>
@@ -1726,7 +1726,7 @@
           <a:p>
             <a:fld id="{CA1BB51F-BFC6-4DD3-8C2A-5B21FD6F69C3}" type="datetimeFigureOut">
               <a:rPr lang="en-SE" smtClean="0"/>
-              <a:t>2023-10-05</a:t>
+              <a:t>10/01/2023</a:t>
             </a:fld>
             <a:endParaRPr lang="en-SE"/>
           </a:p>
@@ -1821,7 +1821,7 @@
           <a:p>
             <a:fld id="{CA1BB51F-BFC6-4DD3-8C2A-5B21FD6F69C3}" type="datetimeFigureOut">
               <a:rPr lang="en-SE" smtClean="0"/>
-              <a:t>2023-10-05</a:t>
+              <a:t>10/01/2023</a:t>
             </a:fld>
             <a:endParaRPr lang="en-SE"/>
           </a:p>
@@ -2098,7 +2098,7 @@
           <a:p>
             <a:fld id="{CA1BB51F-BFC6-4DD3-8C2A-5B21FD6F69C3}" type="datetimeFigureOut">
               <a:rPr lang="en-SE" smtClean="0"/>
-              <a:t>2023-10-05</a:t>
+              <a:t>10/01/2023</a:t>
             </a:fld>
             <a:endParaRPr lang="en-SE"/>
           </a:p>
@@ -2355,7 +2355,7 @@
           <a:p>
             <a:fld id="{CA1BB51F-BFC6-4DD3-8C2A-5B21FD6F69C3}" type="datetimeFigureOut">
               <a:rPr lang="en-SE" smtClean="0"/>
-              <a:t>2023-10-05</a:t>
+              <a:t>10/01/2023</a:t>
             </a:fld>
             <a:endParaRPr lang="en-SE"/>
           </a:p>
@@ -2568,7 +2568,7 @@
           <a:p>
             <a:fld id="{CA1BB51F-BFC6-4DD3-8C2A-5B21FD6F69C3}" type="datetimeFigureOut">
               <a:rPr lang="en-SE" smtClean="0"/>
-              <a:t>2023-10-05</a:t>
+              <a:t>10/01/2023</a:t>
             </a:fld>
             <a:endParaRPr lang="en-SE"/>
           </a:p>
@@ -3465,7 +3465,7 @@
                 <a:latin typeface="Arial" panose="020B0604020202020204" pitchFamily="34" charset="0"/>
                 <a:cs typeface="Arial" panose="020B0604020202020204" pitchFamily="34" charset="0"/>
               </a:rPr>
-              <a:t>d</a:t>
+              <a:t>c</a:t>
             </a:r>
             <a:endParaRPr lang="en-SE" sz="2400" dirty="0">
               <a:latin typeface="Arial" panose="020B0604020202020204" pitchFamily="34" charset="0"/>
@@ -3543,7 +3543,7 @@
         </p:nvSpPr>
         <p:spPr>
           <a:xfrm>
-            <a:off x="4104600" y="539327"/>
+            <a:off x="4104600" y="548035"/>
             <a:ext cx="508512" cy="508512"/>
           </a:xfrm>
           <a:prstGeom prst="ellipse">
@@ -3585,7 +3585,7 @@
                 <a:latin typeface="Arial" panose="020B0604020202020204" pitchFamily="34" charset="0"/>
                 <a:cs typeface="Arial" panose="020B0604020202020204" pitchFamily="34" charset="0"/>
               </a:rPr>
-              <a:t>c</a:t>
+              <a:t>d</a:t>
             </a:r>
             <a:endParaRPr lang="en-SE" sz="2400" dirty="0">
               <a:latin typeface="Arial" panose="020B0604020202020204" pitchFamily="34" charset="0"/>
